--- a/assignment 3/Hypothesis_Testing_Assignment.pptx
+++ b/assignment 3/Hypothesis_Testing_Assignment.pptx
@@ -305,7 +305,7 @@
           <a:p>
             <a:fld id="{A4DC450F-A4CA-D740-B776-A40C57C2E1FF}" type="datetimeFigureOut">
               <a:rPr lang="en-US" smtClean="0"/>
-              <a:t>2/19/2021</a:t>
+              <a:t>7/15/2022</a:t>
             </a:fld>
             <a:endParaRPr lang="en-US"/>
           </a:p>
@@ -473,7 +473,7 @@
           <a:p>
             <a:fld id="{A4DC450F-A4CA-D740-B776-A40C57C2E1FF}" type="datetimeFigureOut">
               <a:rPr lang="en-US" smtClean="0"/>
-              <a:t>2/19/2021</a:t>
+              <a:t>7/15/2022</a:t>
             </a:fld>
             <a:endParaRPr lang="en-US"/>
           </a:p>
@@ -651,7 +651,7 @@
           <a:p>
             <a:fld id="{A4DC450F-A4CA-D740-B776-A40C57C2E1FF}" type="datetimeFigureOut">
               <a:rPr lang="en-US" smtClean="0"/>
-              <a:t>2/19/2021</a:t>
+              <a:t>7/15/2022</a:t>
             </a:fld>
             <a:endParaRPr lang="en-US"/>
           </a:p>
@@ -819,7 +819,7 @@
           <a:p>
             <a:fld id="{A4DC450F-A4CA-D740-B776-A40C57C2E1FF}" type="datetimeFigureOut">
               <a:rPr lang="en-US" smtClean="0"/>
-              <a:t>2/19/2021</a:t>
+              <a:t>7/15/2022</a:t>
             </a:fld>
             <a:endParaRPr lang="en-US"/>
           </a:p>
@@ -1064,7 +1064,7 @@
           <a:p>
             <a:fld id="{A4DC450F-A4CA-D740-B776-A40C57C2E1FF}" type="datetimeFigureOut">
               <a:rPr lang="en-US" smtClean="0"/>
-              <a:t>2/19/2021</a:t>
+              <a:t>7/15/2022</a:t>
             </a:fld>
             <a:endParaRPr lang="en-US"/>
           </a:p>
@@ -1349,7 +1349,7 @@
           <a:p>
             <a:fld id="{A4DC450F-A4CA-D740-B776-A40C57C2E1FF}" type="datetimeFigureOut">
               <a:rPr lang="en-US" smtClean="0"/>
-              <a:t>2/19/2021</a:t>
+              <a:t>7/15/2022</a:t>
             </a:fld>
             <a:endParaRPr lang="en-US"/>
           </a:p>
@@ -1768,7 +1768,7 @@
           <a:p>
             <a:fld id="{A4DC450F-A4CA-D740-B776-A40C57C2E1FF}" type="datetimeFigureOut">
               <a:rPr lang="en-US" smtClean="0"/>
-              <a:t>2/19/2021</a:t>
+              <a:t>7/15/2022</a:t>
             </a:fld>
             <a:endParaRPr lang="en-US"/>
           </a:p>
@@ -1885,7 +1885,7 @@
           <a:p>
             <a:fld id="{A4DC450F-A4CA-D740-B776-A40C57C2E1FF}" type="datetimeFigureOut">
               <a:rPr lang="en-US" smtClean="0"/>
-              <a:t>2/19/2021</a:t>
+              <a:t>7/15/2022</a:t>
             </a:fld>
             <a:endParaRPr lang="en-US"/>
           </a:p>
@@ -1980,7 +1980,7 @@
           <a:p>
             <a:fld id="{A4DC450F-A4CA-D740-B776-A40C57C2E1FF}" type="datetimeFigureOut">
               <a:rPr lang="en-US" smtClean="0"/>
-              <a:t>2/19/2021</a:t>
+              <a:t>7/15/2022</a:t>
             </a:fld>
             <a:endParaRPr lang="en-US"/>
           </a:p>
@@ -2255,7 +2255,7 @@
           <a:p>
             <a:fld id="{A4DC450F-A4CA-D740-B776-A40C57C2E1FF}" type="datetimeFigureOut">
               <a:rPr lang="en-US" smtClean="0"/>
-              <a:t>2/19/2021</a:t>
+              <a:t>7/15/2022</a:t>
             </a:fld>
             <a:endParaRPr lang="en-US"/>
           </a:p>
@@ -2507,7 +2507,7 @@
           <a:p>
             <a:fld id="{A4DC450F-A4CA-D740-B776-A40C57C2E1FF}" type="datetimeFigureOut">
               <a:rPr lang="en-US" smtClean="0"/>
-              <a:t>2/19/2021</a:t>
+              <a:t>7/15/2022</a:t>
             </a:fld>
             <a:endParaRPr lang="en-US"/>
           </a:p>
@@ -2718,7 +2718,7 @@
           <a:p>
             <a:fld id="{A4DC450F-A4CA-D740-B776-A40C57C2E1FF}" type="datetimeFigureOut">
               <a:rPr lang="en-US" smtClean="0"/>
-              <a:t>2/19/2021</a:t>
+              <a:t>7/15/2022</a:t>
             </a:fld>
             <a:endParaRPr lang="en-US"/>
           </a:p>
@@ -3402,8 +3402,8 @@
         </p:nvSpPr>
         <p:spPr>
           <a:xfrm>
-            <a:off x="228600" y="914400"/>
-            <a:ext cx="8763000" cy="5715000"/>
+            <a:off x="228600" y="914399"/>
+            <a:ext cx="8763000" cy="5811715"/>
           </a:xfrm>
         </p:spPr>
         <p:txBody>
@@ -3417,7 +3417,15 @@
             </a:pPr>
             <a:r>
               <a:rPr lang="en-US" sz="2000" dirty="0"/>
-              <a:t>      Sales of products in four different regions is tabulated for males and females. Find if male-female buyer rations are similar across regions.</a:t>
+              <a:t>      Sales of products in four different regions is tabulated for males and females. Find if male-female buyer rations </a:t>
+            </a:r>
+            <a:r>
+              <a:rPr lang="en-US" sz="2000" dirty="0" smtClean="0"/>
+              <a:t>are </a:t>
+            </a:r>
+            <a:r>
+              <a:rPr lang="en-US" sz="2000" dirty="0"/>
+              <a:t>similar across regions.</a:t>
             </a:r>
           </a:p>
         </p:txBody>
@@ -3428,7 +3436,13 @@
           <p:cNvGraphicFramePr>
             <a:graphicFrameLocks noGrp="1"/>
           </p:cNvGraphicFramePr>
-          <p:nvPr/>
+          <p:nvPr>
+            <p:extLst>
+              <p:ext uri="{D42A27DB-BD31-4B8C-83A1-F6EECF244321}">
+                <p14:modId xmlns:p14="http://schemas.microsoft.com/office/powerpoint/2010/main" val="2166531941"/>
+              </p:ext>
+            </p:extLst>
+          </p:nvPr>
         </p:nvGraphicFramePr>
         <p:xfrm>
           <a:off x="1371600" y="1981200"/>
@@ -3638,9 +3652,38 @@
                     <a:lstStyle/>
                     <a:p>
                       <a:r>
-                        <a:rPr lang="en-US" dirty="0"/>
-                        <a:t>550</a:t>
+                        <a:rPr lang="en-US" dirty="0" smtClean="0"/>
+                        <a:t>435</a:t>
                       </a:r>
+                      <a:endParaRPr lang="en-US" dirty="0"/>
+                    </a:p>
+                  </a:txBody>
+                  <a:tcPr/>
+                </a:tc>
+                <a:tc>
+                  <a:txBody>
+                    <a:bodyPr/>
+                    <a:lstStyle/>
+                    <a:p>
+                      <a:r>
+                        <a:rPr lang="en-US" dirty="0" smtClean="0"/>
+                        <a:t>1523</a:t>
+                      </a:r>
+                      <a:endParaRPr lang="en-US" dirty="0"/>
+                    </a:p>
+                  </a:txBody>
+                  <a:tcPr/>
+                </a:tc>
+                <a:tc>
+                  <a:txBody>
+                    <a:bodyPr/>
+                    <a:lstStyle/>
+                    <a:p>
+                      <a:r>
+                        <a:rPr lang="en-US" dirty="0" smtClean="0"/>
+                        <a:t>1356</a:t>
+                      </a:r>
+                      <a:endParaRPr lang="en-US" dirty="0"/>
                     </a:p>
                   </a:txBody>
                   <a:tcPr/>
@@ -3652,34 +3695,13 @@
                     <a:p>
                       <a:r>
                         <a:rPr lang="en-US" dirty="0"/>
-                        <a:t>351</a:t>
+                        <a:t>7</a:t>
                       </a:r>
-                    </a:p>
-                  </a:txBody>
-                  <a:tcPr/>
-                </a:tc>
-                <a:tc>
-                  <a:txBody>
-                    <a:bodyPr/>
-                    <a:lstStyle/>
-                    <a:p>
                       <a:r>
-                        <a:rPr lang="en-US" dirty="0"/>
-                        <a:t>480</a:t>
+                        <a:rPr lang="en-US" smtClean="0"/>
+                        <a:t>50</a:t>
                       </a:r>
-                    </a:p>
-                  </a:txBody>
-                  <a:tcPr/>
-                </a:tc>
-                <a:tc>
-                  <a:txBody>
-                    <a:bodyPr/>
-                    <a:lstStyle/>
-                    <a:p>
-                      <a:r>
-                        <a:rPr lang="en-US" dirty="0"/>
-                        <a:t>350</a:t>
-                      </a:r>
+                      <a:endParaRPr lang="en-US" dirty="0"/>
                     </a:p>
                   </a:txBody>
                   <a:tcPr/>
@@ -4009,6 +4031,94 @@
           </a:p>
         </p:txBody>
       </p:sp>
+      <p:sp>
+        <p:nvSpPr>
+          <p:cNvPr id="11" name="TextBox 10"/>
+          <p:cNvSpPr txBox="1"/>
+          <p:nvPr/>
+        </p:nvSpPr>
+        <p:spPr>
+          <a:xfrm>
+            <a:off x="5530361" y="5439286"/>
+            <a:ext cx="3587262" cy="1354217"/>
+          </a:xfrm>
+          <a:prstGeom prst="rect">
+            <a:avLst/>
+          </a:prstGeom>
+          <a:noFill/>
+        </p:spPr>
+        <p:txBody>
+          <a:bodyPr wrap="square" rtlCol="0">
+            <a:spAutoFit/>
+          </a:bodyPr>
+          <a:lstStyle/>
+          <a:p>
+            <a:r>
+              <a:rPr lang="en-US" b="1" dirty="0" err="1" smtClean="0"/>
+              <a:t>Ans</a:t>
+            </a:r>
+            <a:r>
+              <a:rPr lang="en-US" b="1" dirty="0"/>
+              <a:t>… </a:t>
+            </a:r>
+            <a:r>
+              <a:rPr lang="en-US" sz="1600" b="1" dirty="0">
+                <a:solidFill>
+                  <a:schemeClr val="accent1"/>
+                </a:solidFill>
+              </a:rPr>
+              <a:t>p-value = 0.6603 and it is greater than 0.5 therefore failed to reject null hypothesis</a:t>
+            </a:r>
+          </a:p>
+          <a:p>
+            <a:r>
+              <a:rPr lang="en-US" sz="1600" b="1" dirty="0" smtClean="0">
+                <a:solidFill>
+                  <a:schemeClr val="accent1"/>
+                </a:solidFill>
+              </a:rPr>
+              <a:t>Therefore</a:t>
+            </a:r>
+            <a:r>
+              <a:rPr lang="en-US" sz="1600" b="1" dirty="0">
+                <a:solidFill>
+                  <a:schemeClr val="accent1"/>
+                </a:solidFill>
+              </a:rPr>
+              <a:t>, Same product sales for </a:t>
+            </a:r>
+            <a:r>
+              <a:rPr lang="en-US" sz="1600" b="1" dirty="0" smtClean="0">
+                <a:solidFill>
+                  <a:schemeClr val="accent1"/>
+                </a:solidFill>
+              </a:rPr>
+              <a:t>Male </a:t>
+            </a:r>
+            <a:r>
+              <a:rPr lang="en-US" sz="1600" b="1" dirty="0">
+                <a:solidFill>
+                  <a:schemeClr val="accent1"/>
+                </a:solidFill>
+              </a:rPr>
+              <a:t>&amp; </a:t>
+            </a:r>
+            <a:r>
+              <a:rPr lang="en-US" sz="1600" b="1" dirty="0" smtClean="0">
+                <a:solidFill>
+                  <a:schemeClr val="accent1"/>
+                </a:solidFill>
+              </a:rPr>
+              <a:t>Female </a:t>
+            </a:r>
+            <a:endParaRPr lang="en-IN" sz="1600" b="1" dirty="0">
+              <a:solidFill>
+                <a:schemeClr val="accent1"/>
+              </a:solidFill>
+            </a:endParaRPr>
+          </a:p>
+        </p:txBody>
+      </p:sp>
     </p:spTree>
     <p:extLst>
       <p:ext uri="{BB962C8B-B14F-4D97-AF65-F5344CB8AC3E}">
@@ -4082,13 +4192,13 @@
         </p:nvSpPr>
         <p:spPr>
           <a:xfrm>
-            <a:off x="228600" y="990600"/>
-            <a:ext cx="8763000" cy="5562600"/>
+            <a:off x="219808" y="990600"/>
+            <a:ext cx="8763000" cy="4390292"/>
           </a:xfrm>
         </p:spPr>
         <p:txBody>
           <a:bodyPr>
-            <a:normAutofit fontScale="92500" lnSpcReduction="10000"/>
+            <a:normAutofit fontScale="92500" lnSpcReduction="20000"/>
           </a:bodyPr>
           <a:lstStyle/>
           <a:p>
@@ -4131,17 +4241,11 @@
               <a:t>Minitab File: </a:t>
             </a:r>
             <a:r>
+              <a:rPr lang="en-US" b="1" dirty="0" err="1" smtClean="0"/>
+              <a:t>CustomerOrderForm.mtw</a:t>
+            </a:r>
+            <a:r>
               <a:rPr lang="en-US" b="1" dirty="0"/>
-              <a:t>CustomerOrderForm.mtw</a:t>
-            </a:r>
-            <a:endParaRPr lang="en-US" dirty="0"/>
-          </a:p>
-          <a:p>
-            <a:pPr>
-              <a:buNone/>
-            </a:pPr>
-            <a:r>
-              <a:rPr lang="en-US" dirty="0"/>
               <a:t> </a:t>
             </a:r>
           </a:p>
@@ -4153,6 +4257,111 @@
               <a:rPr lang="en-US" dirty="0"/>
               <a:t>     </a:t>
             </a:r>
+          </a:p>
+        </p:txBody>
+      </p:sp>
+      <p:sp>
+        <p:nvSpPr>
+          <p:cNvPr id="4" name="TextBox 3"/>
+          <p:cNvSpPr txBox="1"/>
+          <p:nvPr/>
+        </p:nvSpPr>
+        <p:spPr>
+          <a:xfrm>
+            <a:off x="316524" y="5380892"/>
+            <a:ext cx="8053754" cy="1246495"/>
+          </a:xfrm>
+          <a:prstGeom prst="rect">
+            <a:avLst/>
+          </a:prstGeom>
+          <a:noFill/>
+        </p:spPr>
+        <p:txBody>
+          <a:bodyPr wrap="square" rtlCol="0">
+            <a:spAutoFit/>
+          </a:bodyPr>
+          <a:lstStyle/>
+          <a:p>
+            <a:pPr>
+              <a:buNone/>
+            </a:pPr>
+            <a:r>
+              <a:rPr lang="en-US" b="1" dirty="0" err="1"/>
+              <a:t>Ans</a:t>
+            </a:r>
+            <a:r>
+              <a:rPr lang="en-US" b="1" dirty="0"/>
+              <a:t>… </a:t>
+            </a:r>
+            <a:r>
+              <a:rPr lang="en-US" b="1" dirty="0">
+                <a:solidFill>
+                  <a:schemeClr val="accent1"/>
+                </a:solidFill>
+              </a:rPr>
+              <a:t>X-squared = 3.859, </a:t>
+            </a:r>
+            <a:r>
+              <a:rPr lang="en-US" b="1" dirty="0" err="1">
+                <a:solidFill>
+                  <a:schemeClr val="accent1"/>
+                </a:solidFill>
+              </a:rPr>
+              <a:t>df</a:t>
+            </a:r>
+            <a:r>
+              <a:rPr lang="en-US" b="1" dirty="0">
+                <a:solidFill>
+                  <a:schemeClr val="accent1"/>
+                </a:solidFill>
+              </a:rPr>
+              <a:t> = 3, p-value = 0.2771</a:t>
+            </a:r>
+          </a:p>
+          <a:p>
+            <a:pPr>
+              <a:buNone/>
+            </a:pPr>
+            <a:r>
+              <a:rPr lang="en-US" b="1" dirty="0">
+                <a:solidFill>
+                  <a:schemeClr val="accent1"/>
+                </a:solidFill>
+              </a:rPr>
+              <a:t>          p-value is greater than 0.05</a:t>
+            </a:r>
+          </a:p>
+          <a:p>
+            <a:pPr>
+              <a:buNone/>
+            </a:pPr>
+            <a:r>
+              <a:rPr lang="en-US" b="1" dirty="0">
+                <a:solidFill>
+                  <a:schemeClr val="accent1"/>
+                </a:solidFill>
+              </a:rPr>
+              <a:t>          Therefore, No action, Defective % does not varies by  </a:t>
+            </a:r>
+            <a:r>
+              <a:rPr lang="en-US" b="1" dirty="0" err="1">
+                <a:solidFill>
+                  <a:schemeClr val="accent1"/>
+                </a:solidFill>
+              </a:rPr>
+              <a:t>centre</a:t>
+            </a:r>
+            <a:r>
+              <a:rPr lang="en-US" b="1" dirty="0">
+                <a:solidFill>
+                  <a:schemeClr val="accent1"/>
+                </a:solidFill>
+              </a:rPr>
+              <a:t>.</a:t>
+            </a:r>
+          </a:p>
+          <a:p>
+            <a:endParaRPr lang="en-IN" dirty="0"/>
           </a:p>
         </p:txBody>
       </p:sp>

--- a/assignment 3/Hypothesis_Testing_Assignment.pptx
+++ b/assignment 3/Hypothesis_Testing_Assignment.pptx
@@ -305,7 +305,7 @@
           <a:p>
             <a:fld id="{A4DC450F-A4CA-D740-B776-A40C57C2E1FF}" type="datetimeFigureOut">
               <a:rPr lang="en-US" smtClean="0"/>
-              <a:t>7/15/2022</a:t>
+              <a:t>7/17/2022</a:t>
             </a:fld>
             <a:endParaRPr lang="en-US"/>
           </a:p>
@@ -473,7 +473,7 @@
           <a:p>
             <a:fld id="{A4DC450F-A4CA-D740-B776-A40C57C2E1FF}" type="datetimeFigureOut">
               <a:rPr lang="en-US" smtClean="0"/>
-              <a:t>7/15/2022</a:t>
+              <a:t>7/17/2022</a:t>
             </a:fld>
             <a:endParaRPr lang="en-US"/>
           </a:p>
@@ -651,7 +651,7 @@
           <a:p>
             <a:fld id="{A4DC450F-A4CA-D740-B776-A40C57C2E1FF}" type="datetimeFigureOut">
               <a:rPr lang="en-US" smtClean="0"/>
-              <a:t>7/15/2022</a:t>
+              <a:t>7/17/2022</a:t>
             </a:fld>
             <a:endParaRPr lang="en-US"/>
           </a:p>
@@ -819,7 +819,7 @@
           <a:p>
             <a:fld id="{A4DC450F-A4CA-D740-B776-A40C57C2E1FF}" type="datetimeFigureOut">
               <a:rPr lang="en-US" smtClean="0"/>
-              <a:t>7/15/2022</a:t>
+              <a:t>7/17/2022</a:t>
             </a:fld>
             <a:endParaRPr lang="en-US"/>
           </a:p>
@@ -1064,7 +1064,7 @@
           <a:p>
             <a:fld id="{A4DC450F-A4CA-D740-B776-A40C57C2E1FF}" type="datetimeFigureOut">
               <a:rPr lang="en-US" smtClean="0"/>
-              <a:t>7/15/2022</a:t>
+              <a:t>7/17/2022</a:t>
             </a:fld>
             <a:endParaRPr lang="en-US"/>
           </a:p>
@@ -1349,7 +1349,7 @@
           <a:p>
             <a:fld id="{A4DC450F-A4CA-D740-B776-A40C57C2E1FF}" type="datetimeFigureOut">
               <a:rPr lang="en-US" smtClean="0"/>
-              <a:t>7/15/2022</a:t>
+              <a:t>7/17/2022</a:t>
             </a:fld>
             <a:endParaRPr lang="en-US"/>
           </a:p>
@@ -1768,7 +1768,7 @@
           <a:p>
             <a:fld id="{A4DC450F-A4CA-D740-B776-A40C57C2E1FF}" type="datetimeFigureOut">
               <a:rPr lang="en-US" smtClean="0"/>
-              <a:t>7/15/2022</a:t>
+              <a:t>7/17/2022</a:t>
             </a:fld>
             <a:endParaRPr lang="en-US"/>
           </a:p>
@@ -1885,7 +1885,7 @@
           <a:p>
             <a:fld id="{A4DC450F-A4CA-D740-B776-A40C57C2E1FF}" type="datetimeFigureOut">
               <a:rPr lang="en-US" smtClean="0"/>
-              <a:t>7/15/2022</a:t>
+              <a:t>7/17/2022</a:t>
             </a:fld>
             <a:endParaRPr lang="en-US"/>
           </a:p>
@@ -1980,7 +1980,7 @@
           <a:p>
             <a:fld id="{A4DC450F-A4CA-D740-B776-A40C57C2E1FF}" type="datetimeFigureOut">
               <a:rPr lang="en-US" smtClean="0"/>
-              <a:t>7/15/2022</a:t>
+              <a:t>7/17/2022</a:t>
             </a:fld>
             <a:endParaRPr lang="en-US"/>
           </a:p>
@@ -2255,7 +2255,7 @@
           <a:p>
             <a:fld id="{A4DC450F-A4CA-D740-B776-A40C57C2E1FF}" type="datetimeFigureOut">
               <a:rPr lang="en-US" smtClean="0"/>
-              <a:t>7/15/2022</a:t>
+              <a:t>7/17/2022</a:t>
             </a:fld>
             <a:endParaRPr lang="en-US"/>
           </a:p>
@@ -2507,7 +2507,7 @@
           <a:p>
             <a:fld id="{A4DC450F-A4CA-D740-B776-A40C57C2E1FF}" type="datetimeFigureOut">
               <a:rPr lang="en-US" smtClean="0"/>
-              <a:t>7/15/2022</a:t>
+              <a:t>7/17/2022</a:t>
             </a:fld>
             <a:endParaRPr lang="en-US"/>
           </a:p>
@@ -2718,7 +2718,7 @@
           <a:p>
             <a:fld id="{A4DC450F-A4CA-D740-B776-A40C57C2E1FF}" type="datetimeFigureOut">
               <a:rPr lang="en-US" smtClean="0"/>
-              <a:t>7/15/2022</a:t>
+              <a:t>7/17/2022</a:t>
             </a:fld>
             <a:endParaRPr lang="en-US"/>
           </a:p>
@@ -3181,6 +3181,249 @@
           </a:p>
         </p:txBody>
       </p:sp>
+      <p:sp>
+        <p:nvSpPr>
+          <p:cNvPr id="5" name="TextBox 4"/>
+          <p:cNvSpPr txBox="1"/>
+          <p:nvPr/>
+        </p:nvSpPr>
+        <p:spPr>
+          <a:xfrm>
+            <a:off x="342900" y="4932484"/>
+            <a:ext cx="8801100" cy="830997"/>
+          </a:xfrm>
+          <a:prstGeom prst="rect">
+            <a:avLst/>
+          </a:prstGeom>
+          <a:noFill/>
+        </p:spPr>
+        <p:txBody>
+          <a:bodyPr wrap="square" rtlCol="0">
+            <a:spAutoFit/>
+          </a:bodyPr>
+          <a:lstStyle/>
+          <a:p>
+            <a:pPr lvl="0"/>
+            <a:r>
+              <a:rPr lang="en-US" sz="1600" b="1" dirty="0" err="1" smtClean="0"/>
+              <a:t>Ans</a:t>
+            </a:r>
+            <a:r>
+              <a:rPr lang="en-US" sz="1600" b="1" dirty="0" smtClean="0"/>
+              <a:t>… </a:t>
+            </a:r>
+            <a:r>
+              <a:rPr lang="en-US" sz="1600" b="1" dirty="0" err="1" smtClean="0">
+                <a:solidFill>
+                  <a:schemeClr val="accent1"/>
+                </a:solidFill>
+              </a:rPr>
+              <a:t>p_value</a:t>
+            </a:r>
+            <a:r>
+              <a:rPr lang="en-US" sz="1600" b="1" dirty="0" smtClean="0">
+                <a:solidFill>
+                  <a:schemeClr val="accent1"/>
+                </a:solidFill>
+              </a:rPr>
+              <a:t> = </a:t>
+            </a:r>
+            <a:r>
+              <a:rPr lang="en-US" altLang="en-US" sz="1600" b="1" dirty="0" smtClean="0">
+                <a:solidFill>
+                  <a:schemeClr val="accent1"/>
+                </a:solidFill>
+                <a:latin typeface="Courier New" panose="02070309020205020404" pitchFamily="49" charset="0"/>
+                <a:cs typeface="Courier New" panose="02070309020205020404" pitchFamily="49" charset="0"/>
+              </a:rPr>
+              <a:t>0.7228688704678063</a:t>
+            </a:r>
+          </a:p>
+          <a:p>
+            <a:pPr lvl="0"/>
+            <a:r>
+              <a:rPr lang="en-US" altLang="en-US" sz="1600" b="1" dirty="0">
+                <a:solidFill>
+                  <a:schemeClr val="accent1"/>
+                </a:solidFill>
+                <a:latin typeface="Courier New" panose="02070309020205020404" pitchFamily="49" charset="0"/>
+                <a:cs typeface="Courier New" panose="02070309020205020404" pitchFamily="49" charset="0"/>
+              </a:rPr>
+              <a:t>    </a:t>
+            </a:r>
+            <a:r>
+              <a:rPr lang="en-US" altLang="en-US" sz="1600" b="1" dirty="0" smtClean="0">
+                <a:solidFill>
+                  <a:schemeClr val="accent1"/>
+                </a:solidFill>
+                <a:latin typeface="Courier New" panose="02070309020205020404" pitchFamily="49" charset="0"/>
+                <a:cs typeface="Courier New" panose="02070309020205020404" pitchFamily="49" charset="0"/>
+              </a:rPr>
+              <a:t>Here </a:t>
+            </a:r>
+            <a:r>
+              <a:rPr lang="en-US" altLang="en-US" sz="1600" b="1" dirty="0" err="1">
+                <a:solidFill>
+                  <a:schemeClr val="accent1"/>
+                </a:solidFill>
+                <a:latin typeface="Courier New" panose="02070309020205020404" pitchFamily="49" charset="0"/>
+                <a:cs typeface="Courier New" panose="02070309020205020404" pitchFamily="49" charset="0"/>
+              </a:rPr>
+              <a:t>p_value</a:t>
+            </a:r>
+            <a:r>
+              <a:rPr lang="en-US" altLang="en-US" sz="1600" b="1" dirty="0">
+                <a:solidFill>
+                  <a:schemeClr val="accent1"/>
+                </a:solidFill>
+                <a:latin typeface="Courier New" panose="02070309020205020404" pitchFamily="49" charset="0"/>
+                <a:cs typeface="Courier New" panose="02070309020205020404" pitchFamily="49" charset="0"/>
+              </a:rPr>
+              <a:t> is greater than 0.05, therefore there is </a:t>
+            </a:r>
+            <a:r>
+              <a:rPr lang="en-US" altLang="en-US" sz="1600" b="1" dirty="0" smtClean="0">
+                <a:solidFill>
+                  <a:schemeClr val="accent1"/>
+                </a:solidFill>
+                <a:latin typeface="Courier New" panose="02070309020205020404" pitchFamily="49" charset="0"/>
+                <a:cs typeface="Courier New" panose="02070309020205020404" pitchFamily="49" charset="0"/>
+              </a:rPr>
+              <a:t>no </a:t>
+            </a:r>
+          </a:p>
+          <a:p>
+            <a:pPr lvl="0"/>
+            <a:r>
+              <a:rPr lang="en-US" altLang="en-US" sz="1600" b="1" dirty="0">
+                <a:solidFill>
+                  <a:schemeClr val="accent1"/>
+                </a:solidFill>
+                <a:latin typeface="Courier New" panose="02070309020205020404" pitchFamily="49" charset="0"/>
+                <a:cs typeface="Courier New" panose="02070309020205020404" pitchFamily="49" charset="0"/>
+              </a:rPr>
+              <a:t> </a:t>
+            </a:r>
+            <a:r>
+              <a:rPr lang="en-US" altLang="en-US" sz="1600" b="1" dirty="0" smtClean="0">
+                <a:solidFill>
+                  <a:schemeClr val="accent1"/>
+                </a:solidFill>
+                <a:latin typeface="Courier New" panose="02070309020205020404" pitchFamily="49" charset="0"/>
+                <a:cs typeface="Courier New" panose="02070309020205020404" pitchFamily="49" charset="0"/>
+              </a:rPr>
+              <a:t>   significance </a:t>
+            </a:r>
+            <a:r>
+              <a:rPr lang="en-US" altLang="en-US" sz="1600" b="1" dirty="0">
+                <a:solidFill>
+                  <a:schemeClr val="accent1"/>
+                </a:solidFill>
+                <a:latin typeface="Courier New" panose="02070309020205020404" pitchFamily="49" charset="0"/>
+                <a:cs typeface="Courier New" panose="02070309020205020404" pitchFamily="49" charset="0"/>
+              </a:rPr>
+              <a:t>difference in diameter of cutlet between two units</a:t>
+            </a:r>
+            <a:r>
+              <a:rPr lang="en-US" altLang="en-US" sz="1600" b="1" dirty="0" smtClean="0">
+                <a:solidFill>
+                  <a:schemeClr val="accent1"/>
+                </a:solidFill>
+              </a:rPr>
+              <a:t> </a:t>
+            </a:r>
+            <a:endParaRPr lang="en-US" altLang="en-US" sz="1600" b="1" dirty="0">
+              <a:solidFill>
+                <a:schemeClr val="accent1"/>
+              </a:solidFill>
+              <a:latin typeface="Arial" panose="020B0604020202020204" pitchFamily="34" charset="0"/>
+            </a:endParaRPr>
+          </a:p>
+        </p:txBody>
+      </p:sp>
+      <p:sp>
+        <p:nvSpPr>
+          <p:cNvPr id="7" name="Rectangle 2"/>
+          <p:cNvSpPr>
+            <a:spLocks noChangeArrowheads="1"/>
+          </p:cNvSpPr>
+          <p:nvPr/>
+        </p:nvSpPr>
+        <p:spPr bwMode="auto">
+          <a:xfrm>
+            <a:off x="0" y="90100"/>
+            <a:ext cx="65" cy="276999"/>
+          </a:xfrm>
+          <a:prstGeom prst="rect">
+            <a:avLst/>
+          </a:prstGeom>
+          <a:solidFill>
+            <a:srgbClr val="FFFFFF"/>
+          </a:solidFill>
+          <a:ln>
+            <a:noFill/>
+          </a:ln>
+          <a:effectLst/>
+          <a:extLst>
+            <a:ext uri="{91240B29-F687-4F45-9708-019B960494DF}">
+              <a14:hiddenLine xmlns:a14="http://schemas.microsoft.com/office/drawing/2010/main" w="9525">
+                <a:solidFill>
+                  <a:schemeClr val="tx1"/>
+                </a:solidFill>
+                <a:miter lim="800000"/>
+                <a:headEnd/>
+                <a:tailEnd/>
+              </a14:hiddenLine>
+            </a:ext>
+            <a:ext uri="{AF507438-7753-43E0-B8FC-AC1667EBCBE1}">
+              <a14:hiddenEffects xmlns:a14="http://schemas.microsoft.com/office/drawing/2010/main">
+                <a:effectLst>
+                  <a:outerShdw dist="35921" dir="2700000" algn="ctr" rotWithShape="0">
+                    <a:schemeClr val="bg2"/>
+                  </a:outerShdw>
+                </a:effectLst>
+              </a14:hiddenEffects>
+            </a:ext>
+          </a:extLst>
+        </p:spPr>
+        <p:txBody>
+          <a:bodyPr vert="horz" wrap="none" lIns="0" tIns="0" rIns="0" bIns="0" numCol="1" anchor="ctr" anchorCtr="0" compatLnSpc="1">
+            <a:prstTxWarp prst="textNoShape">
+              <a:avLst/>
+            </a:prstTxWarp>
+            <a:spAutoFit/>
+          </a:bodyPr>
+          <a:lstStyle/>
+          <a:p>
+            <a:pPr marL="0" marR="0" lvl="0" indent="0" algn="l" defTabSz="914400" rtl="0" eaLnBrk="0" fontAlgn="base" latinLnBrk="0" hangingPunct="0">
+              <a:lnSpc>
+                <a:spcPct val="100000"/>
+              </a:lnSpc>
+              <a:spcBef>
+                <a:spcPct val="0"/>
+              </a:spcBef>
+              <a:spcAft>
+                <a:spcPct val="0"/>
+              </a:spcAft>
+              <a:buClrTx/>
+              <a:buSzTx/>
+              <a:buFontTx/>
+              <a:buNone/>
+              <a:tabLst/>
+            </a:pPr>
+            <a:endParaRPr kumimoji="0" lang="en-US" altLang="en-US" sz="1800" b="0" i="0" u="none" strike="noStrike" cap="none" normalizeH="0" baseline="0" dirty="0" smtClean="0">
+              <a:ln>
+                <a:noFill/>
+              </a:ln>
+              <a:solidFill>
+                <a:schemeClr val="tx1"/>
+              </a:solidFill>
+              <a:effectLst/>
+              <a:latin typeface="Arial" panose="020B0604020202020204" pitchFamily="34" charset="0"/>
+            </a:endParaRPr>
+          </a:p>
+        </p:txBody>
+      </p:sp>
     </p:spTree>
     <p:extLst>
       <p:ext uri="{BB962C8B-B14F-4D97-AF65-F5344CB8AC3E}">
@@ -3254,13 +3497,13 @@
         </p:nvSpPr>
         <p:spPr>
           <a:xfrm>
-            <a:off x="228600" y="1132070"/>
-            <a:ext cx="8610600" cy="5083157"/>
+            <a:off x="228600" y="1132071"/>
+            <a:ext cx="8610600" cy="4574138"/>
           </a:xfrm>
         </p:spPr>
         <p:txBody>
           <a:bodyPr>
-            <a:normAutofit fontScale="92500" lnSpcReduction="20000"/>
+            <a:normAutofit fontScale="92500" lnSpcReduction="10000"/>
           </a:bodyPr>
           <a:lstStyle/>
           <a:p>
@@ -3287,7 +3530,11 @@
             </a:pPr>
             <a:r>
               <a:rPr lang="en-US" sz="2800" dirty="0"/>
-              <a:t>  Analyze the data and determine whether there is any difference in average TAT among the different laboratories at 5% significance level.</a:t>
+              <a:t>  Analyze the data and determine whether there is any difference in average TAT among the different laboratories at 5% significance </a:t>
+            </a:r>
+            <a:r>
+              <a:rPr lang="en-US" sz="2800" dirty="0" smtClean="0"/>
+              <a:t>level.</a:t>
             </a:r>
           </a:p>
           <a:p>
@@ -3295,26 +3542,12 @@
               <a:buNone/>
             </a:pPr>
             <a:r>
+              <a:rPr lang="en-US" dirty="0" smtClean="0"/>
+              <a:t>Minitab </a:t>
+            </a:r>
+            <a:r>
               <a:rPr lang="en-US" dirty="0"/>
-              <a:t> </a:t>
-            </a:r>
-          </a:p>
-          <a:p>
-            <a:pPr>
-              <a:buNone/>
-            </a:pPr>
-            <a:r>
-              <a:rPr lang="en-US" dirty="0"/>
-              <a:t> </a:t>
-            </a:r>
-          </a:p>
-          <a:p>
-            <a:pPr>
-              <a:buNone/>
-            </a:pPr>
-            <a:r>
-              <a:rPr lang="en-US" dirty="0"/>
-              <a:t>    Minitab File: </a:t>
+              <a:t>File: </a:t>
             </a:r>
             <a:r>
               <a:rPr lang="en-US" b="1" dirty="0"/>
@@ -3327,6 +3560,141 @@
               <a:buNone/>
             </a:pPr>
             <a:endParaRPr lang="en-US" dirty="0"/>
+          </a:p>
+        </p:txBody>
+      </p:sp>
+      <p:sp>
+        <p:nvSpPr>
+          <p:cNvPr id="4" name="TextBox 3"/>
+          <p:cNvSpPr txBox="1"/>
+          <p:nvPr/>
+        </p:nvSpPr>
+        <p:spPr>
+          <a:xfrm>
+            <a:off x="228600" y="5785338"/>
+            <a:ext cx="8541728" cy="830997"/>
+          </a:xfrm>
+          <a:prstGeom prst="rect">
+            <a:avLst/>
+          </a:prstGeom>
+          <a:noFill/>
+        </p:spPr>
+        <p:txBody>
+          <a:bodyPr wrap="square" rtlCol="0">
+            <a:spAutoFit/>
+          </a:bodyPr>
+          <a:lstStyle/>
+          <a:p>
+            <a:r>
+              <a:rPr lang="en-US" sz="1600" b="1" dirty="0" err="1" smtClean="0"/>
+              <a:t>Ans</a:t>
+            </a:r>
+            <a:r>
+              <a:rPr lang="en-US" sz="1600" b="1" dirty="0" smtClean="0"/>
+              <a:t>… </a:t>
+            </a:r>
+            <a:r>
+              <a:rPr lang="en-US" sz="1600" b="1" dirty="0" err="1" smtClean="0">
+                <a:solidFill>
+                  <a:schemeClr val="accent1"/>
+                </a:solidFill>
+              </a:rPr>
+              <a:t>p_value</a:t>
+            </a:r>
+            <a:r>
+              <a:rPr lang="en-US" sz="1600" b="1" dirty="0">
+                <a:solidFill>
+                  <a:schemeClr val="accent1"/>
+                </a:solidFill>
+              </a:rPr>
+              <a:t> </a:t>
+            </a:r>
+            <a:r>
+              <a:rPr lang="en-US" sz="1600" b="1" dirty="0" smtClean="0">
+                <a:solidFill>
+                  <a:schemeClr val="accent1"/>
+                </a:solidFill>
+              </a:rPr>
+              <a:t>= 2.1156708949992414e-57</a:t>
+            </a:r>
+            <a:endParaRPr lang="en-US" sz="1600" b="1" dirty="0">
+              <a:solidFill>
+                <a:schemeClr val="accent1"/>
+              </a:solidFill>
+            </a:endParaRPr>
+          </a:p>
+          <a:p>
+            <a:r>
+              <a:rPr lang="en-US" sz="1600" b="1" dirty="0" smtClean="0">
+                <a:solidFill>
+                  <a:schemeClr val="accent1"/>
+                </a:solidFill>
+              </a:rPr>
+              <a:t> </a:t>
+            </a:r>
+            <a:r>
+              <a:rPr lang="en-IN" sz="1600" b="1" dirty="0" smtClean="0">
+                <a:solidFill>
+                  <a:schemeClr val="accent1"/>
+                </a:solidFill>
+              </a:rPr>
+              <a:t>          here, </a:t>
+            </a:r>
+            <a:r>
+              <a:rPr lang="en-US" sz="1600" b="1" dirty="0" err="1">
+                <a:solidFill>
+                  <a:schemeClr val="accent1"/>
+                </a:solidFill>
+              </a:rPr>
+              <a:t>p_value</a:t>
+            </a:r>
+            <a:r>
+              <a:rPr lang="en-US" sz="1600" b="1" dirty="0">
+                <a:solidFill>
+                  <a:schemeClr val="accent1"/>
+                </a:solidFill>
+              </a:rPr>
+              <a:t> is smaller than 0.05, therefore there is difference in TAT among the different </a:t>
+            </a:r>
+            <a:r>
+              <a:rPr lang="en-US" sz="1600" b="1" dirty="0" smtClean="0">
+                <a:solidFill>
+                  <a:schemeClr val="accent1"/>
+                </a:solidFill>
+              </a:rPr>
+              <a:t>  </a:t>
+            </a:r>
+          </a:p>
+          <a:p>
+            <a:r>
+              <a:rPr lang="en-US" sz="1600" b="1" dirty="0">
+                <a:solidFill>
+                  <a:schemeClr val="accent1"/>
+                </a:solidFill>
+              </a:rPr>
+              <a:t> </a:t>
+            </a:r>
+            <a:r>
+              <a:rPr lang="en-US" sz="1600" b="1" dirty="0" smtClean="0">
+                <a:solidFill>
+                  <a:schemeClr val="accent1"/>
+                </a:solidFill>
+              </a:rPr>
+              <a:t>          laboratories</a:t>
+            </a:r>
+            <a:r>
+              <a:rPr lang="en-US" sz="1600" b="1" dirty="0">
+                <a:solidFill>
+                  <a:schemeClr val="accent1"/>
+                </a:solidFill>
+              </a:rPr>
+              <a:t>.</a:t>
+            </a:r>
+            <a:endParaRPr lang="en-US" sz="1600" b="1" dirty="0" smtClean="0">
+              <a:solidFill>
+                <a:schemeClr val="accent1"/>
+              </a:solidFill>
+            </a:endParaRPr>
           </a:p>
         </p:txBody>
       </p:sp>
